--- a/Lesson_3/УСЛОВНЫЙ ОПЕРАТОР.pptx
+++ b/Lesson_3/УСЛОВНЫЙ ОПЕРАТОР.pptx
@@ -4222,7 +4222,7 @@
         </p:blipFill>
         <p:spPr>
           <a:xfrm>
-            <a:off x="5669872" y="2632866"/>
+            <a:off x="5669872" y="2641255"/>
             <a:ext cx="3630919" cy="3288995"/>
           </a:xfrm>
           <a:prstGeom prst="rect">
@@ -5146,7 +5146,7 @@
         </p:blipFill>
         <p:spPr>
           <a:xfrm>
-            <a:off x="2196484" y="1585928"/>
+            <a:off x="2196484" y="1594317"/>
             <a:ext cx="8168111" cy="4786745"/>
           </a:xfrm>
           <a:prstGeom prst="rect">
